--- a/CS231N_project_v2.pptx
+++ b/CS231N_project_v2.pptx
@@ -5,10 +5,10 @@
     <p:sldMasterId id="2147483699" r:id="rId1"/>
   </p:sldMasterIdLst>
   <p:notesMasterIdLst>
-    <p:notesMasterId r:id="rId22"/>
+    <p:notesMasterId r:id="rId26"/>
   </p:notesMasterIdLst>
   <p:handoutMasterIdLst>
-    <p:handoutMasterId r:id="rId23"/>
+    <p:handoutMasterId r:id="rId27"/>
   </p:handoutMasterIdLst>
   <p:sldIdLst>
     <p:sldId id="256" r:id="rId2"/>
@@ -31,6 +31,10 @@
     <p:sldId id="315" r:id="rId19"/>
     <p:sldId id="321" r:id="rId20"/>
     <p:sldId id="322" r:id="rId21"/>
+    <p:sldId id="342" r:id="rId22"/>
+    <p:sldId id="343" r:id="rId23"/>
+    <p:sldId id="344" r:id="rId24"/>
+    <p:sldId id="345" r:id="rId25"/>
   </p:sldIdLst>
   <p:sldSz cx="9144000" cy="5143500" type="screen16x9"/>
   <p:notesSz cx="6858000" cy="9144000"/>
@@ -184,6 +188,10 @@
             <p14:sldId id="315"/>
             <p14:sldId id="321"/>
             <p14:sldId id="322"/>
+            <p14:sldId id="342"/>
+            <p14:sldId id="343"/>
+            <p14:sldId id="344"/>
+            <p14:sldId id="345"/>
           </p14:sldIdLst>
         </p14:section>
       </p14:sectionLst>
@@ -320,7 +328,7 @@
               <a:pPr>
                 <a:defRPr/>
               </a:pPr>
-              <a:t>4/22/2019</a:t>
+              <a:t>5/3/2019</a:t>
             </a:fld>
             <a:endParaRPr lang="en-US" dirty="0"/>
           </a:p>
@@ -544,7 +552,7 @@
               <a:pPr>
                 <a:defRPr/>
               </a:pPr>
-              <a:t>4/22/2019</a:t>
+              <a:t>5/3/2019</a:t>
             </a:fld>
             <a:endParaRPr lang="en-US" dirty="0"/>
           </a:p>
@@ -3232,14 +3240,14 @@
           </a:ln>
           <a:extLst>
             <a:ext uri="{909E8E84-426E-40dd-AFC4-6F175D3DCCD1}">
-              <a14:hiddenFill xmlns="" xmlns:a14="http://schemas.microsoft.com/office/drawing/2010/main">
+              <a14:hiddenFill xmlns:a14="http://schemas.microsoft.com/office/drawing/2010/main" xmlns="">
                 <a:solidFill>
                   <a:srgbClr val="FFFFFF"/>
                 </a:solidFill>
               </a14:hiddenFill>
             </a:ext>
             <a:ext uri="{91240B29-F687-4f45-9708-019B960494DF}">
-              <a14:hiddenLine xmlns="" xmlns:a14="http://schemas.microsoft.com/office/drawing/2010/main" w="9525">
+              <a14:hiddenLine xmlns:a14="http://schemas.microsoft.com/office/drawing/2010/main" xmlns="" w="9525">
                 <a:solidFill>
                   <a:srgbClr val="000000"/>
                 </a:solidFill>
@@ -3249,7 +3257,7 @@
               </a14:hiddenLine>
             </a:ext>
             <a:ext uri="{FAA26D3D-D897-4be2-8F04-BA451C77F1D7}">
-              <ma14:placeholderFlag xmlns="" xmlns:ma14="http://schemas.microsoft.com/office/mac/drawingml/2011/main" val="1"/>
+              <ma14:placeholderFlag xmlns:ma14="http://schemas.microsoft.com/office/mac/drawingml/2011/main" xmlns="" val="1"/>
             </a:ext>
           </a:extLst>
         </p:spPr>
@@ -7471,10 +7479,17 @@
             </a:r>
           </a:p>
           <a:p>
-            <a:pPr lvl="1"/>
+            <a:pPr lvl="2"/>
             <a:r>
               <a:rPr lang="en-US" dirty="0"/>
               <a:t>Can we reduce the number of demodulation functions to 2?</a:t>
+            </a:r>
+          </a:p>
+          <a:p>
+            <a:pPr lvl="2"/>
+            <a:r>
+              <a:rPr lang="en-US" dirty="0"/>
+              <a:t>How much does e.g. object recognition accuracy degrade?</a:t>
             </a:r>
           </a:p>
           <a:p>
@@ -8707,12 +8722,11 @@
             <a:pPr lvl="1"/>
             <a:r>
               <a:rPr lang="en-US" dirty="0"/>
-              <a:t>Replace closed form solution </a:t>
-            </a:r>
-            <a:r>
-              <a:rPr lang="en-US"/>
-              <a:t>with CNN</a:t>
-            </a:r>
+              <a:t>Replace closed form solution with CNN</a:t>
+            </a:r>
+          </a:p>
+          <a:p>
+            <a:pPr lvl="2"/>
             <a:endParaRPr lang="en-US" dirty="0"/>
           </a:p>
           <a:p>
@@ -8729,6 +8743,557 @@
     <p:extLst>
       <p:ext uri="{BB962C8B-B14F-4D97-AF65-F5344CB8AC3E}">
         <p14:creationId xmlns:p14="http://schemas.microsoft.com/office/powerpoint/2010/main" val="1096251805"/>
+      </p:ext>
+    </p:extLst>
+  </p:cSld>
+  <p:clrMapOvr>
+    <a:masterClrMapping/>
+  </p:clrMapOvr>
+  <p:transition spd="slow">
+    <p:fade/>
+  </p:transition>
+</p:sld>
+</file>
+
+<file path=ppt/slides/slide21.xml><?xml version="1.0" encoding="utf-8"?>
+<p:sld xmlns:a="http://schemas.openxmlformats.org/drawingml/2006/main" xmlns:r="http://schemas.openxmlformats.org/officeDocument/2006/relationships" xmlns:p="http://schemas.openxmlformats.org/presentationml/2006/main">
+  <p:cSld>
+    <p:spTree>
+      <p:nvGrpSpPr>
+        <p:cNvPr id="1" name=""/>
+        <p:cNvGrpSpPr/>
+        <p:nvPr/>
+      </p:nvGrpSpPr>
+      <p:grpSpPr>
+        <a:xfrm>
+          <a:off x="0" y="0"/>
+          <a:ext cx="0" cy="0"/>
+          <a:chOff x="0" y="0"/>
+          <a:chExt cx="0" cy="0"/>
+        </a:xfrm>
+      </p:grpSpPr>
+      <p:sp>
+        <p:nvSpPr>
+          <p:cNvPr id="4" name="Title 3">
+            <a:extLst>
+              <a:ext uri="{FF2B5EF4-FFF2-40B4-BE49-F238E27FC236}">
+                <a16:creationId xmlns:a16="http://schemas.microsoft.com/office/drawing/2014/main" id="{16A162C2-F1F2-4473-AF12-3BF1548A3081}"/>
+              </a:ext>
+            </a:extLst>
+          </p:cNvPr>
+          <p:cNvSpPr>
+            <a:spLocks noGrp="1"/>
+          </p:cNvSpPr>
+          <p:nvPr>
+            <p:ph type="ctrTitle"/>
+          </p:nvPr>
+        </p:nvSpPr>
+        <p:spPr/>
+        <p:txBody>
+          <a:bodyPr/>
+          <a:lstStyle/>
+          <a:p>
+            <a:r>
+              <a:rPr lang="en-US" dirty="0"/>
+              <a:t>Simulator Example</a:t>
+            </a:r>
+          </a:p>
+        </p:txBody>
+      </p:sp>
+      <p:sp>
+        <p:nvSpPr>
+          <p:cNvPr id="5" name="Subtitle 4">
+            <a:extLst>
+              <a:ext uri="{FF2B5EF4-FFF2-40B4-BE49-F238E27FC236}">
+                <a16:creationId xmlns:a16="http://schemas.microsoft.com/office/drawing/2014/main" id="{6BE97F45-7A69-43D5-883C-2EBDBA847455}"/>
+              </a:ext>
+            </a:extLst>
+          </p:cNvPr>
+          <p:cNvSpPr>
+            <a:spLocks noGrp="1"/>
+          </p:cNvSpPr>
+          <p:nvPr>
+            <p:ph type="subTitle" idx="1"/>
+          </p:nvPr>
+        </p:nvSpPr>
+        <p:spPr/>
+        <p:txBody>
+          <a:bodyPr/>
+          <a:lstStyle/>
+          <a:p>
+            <a:endParaRPr lang="en-US"/>
+          </a:p>
+        </p:txBody>
+      </p:sp>
+    </p:spTree>
+    <p:extLst>
+      <p:ext uri="{BB962C8B-B14F-4D97-AF65-F5344CB8AC3E}">
+        <p14:creationId xmlns:p14="http://schemas.microsoft.com/office/powerpoint/2010/main" val="3545499286"/>
+      </p:ext>
+    </p:extLst>
+  </p:cSld>
+  <p:clrMapOvr>
+    <a:masterClrMapping/>
+  </p:clrMapOvr>
+  <p:transition spd="slow">
+    <p:fade/>
+  </p:transition>
+</p:sld>
+</file>
+
+<file path=ppt/slides/slide22.xml><?xml version="1.0" encoding="utf-8"?>
+<p:sld xmlns:a="http://schemas.openxmlformats.org/drawingml/2006/main" xmlns:r="http://schemas.openxmlformats.org/officeDocument/2006/relationships" xmlns:p="http://schemas.openxmlformats.org/presentationml/2006/main">
+  <p:cSld>
+    <p:spTree>
+      <p:nvGrpSpPr>
+        <p:cNvPr id="1" name=""/>
+        <p:cNvGrpSpPr/>
+        <p:nvPr/>
+      </p:nvGrpSpPr>
+      <p:grpSpPr>
+        <a:xfrm>
+          <a:off x="0" y="0"/>
+          <a:ext cx="0" cy="0"/>
+          <a:chOff x="0" y="0"/>
+          <a:chExt cx="0" cy="0"/>
+        </a:xfrm>
+      </p:grpSpPr>
+      <p:sp>
+        <p:nvSpPr>
+          <p:cNvPr id="4" name="Title 3">
+            <a:extLst>
+              <a:ext uri="{FF2B5EF4-FFF2-40B4-BE49-F238E27FC236}">
+                <a16:creationId xmlns:a16="http://schemas.microsoft.com/office/drawing/2014/main" id="{46C21690-D582-4A18-AD21-9237EBAEBF39}"/>
+              </a:ext>
+            </a:extLst>
+          </p:cNvPr>
+          <p:cNvSpPr>
+            <a:spLocks noGrp="1"/>
+          </p:cNvSpPr>
+          <p:nvPr>
+            <p:ph type="title"/>
+          </p:nvPr>
+        </p:nvSpPr>
+        <p:spPr/>
+        <p:txBody>
+          <a:bodyPr/>
+          <a:lstStyle/>
+          <a:p>
+            <a:r>
+              <a:rPr lang="en-US" dirty="0"/>
+              <a:t>Simulator Example – Sinusoidal Coding</a:t>
+            </a:r>
+          </a:p>
+        </p:txBody>
+      </p:sp>
+      <p:sp>
+        <p:nvSpPr>
+          <p:cNvPr id="5" name="Content Placeholder 4">
+            <a:extLst>
+              <a:ext uri="{FF2B5EF4-FFF2-40B4-BE49-F238E27FC236}">
+                <a16:creationId xmlns:a16="http://schemas.microsoft.com/office/drawing/2014/main" id="{C4327134-0416-41CB-8B2B-A11ED63CF724}"/>
+              </a:ext>
+            </a:extLst>
+          </p:cNvPr>
+          <p:cNvSpPr>
+            <a:spLocks noGrp="1"/>
+          </p:cNvSpPr>
+          <p:nvPr>
+            <p:ph sz="quarter" idx="10"/>
+          </p:nvPr>
+        </p:nvSpPr>
+        <p:spPr/>
+        <p:txBody>
+          <a:bodyPr>
+            <a:normAutofit/>
+          </a:bodyPr>
+          <a:lstStyle/>
+          <a:p>
+            <a:pPr lvl="1"/>
+            <a:endParaRPr lang="en-US" dirty="0"/>
+          </a:p>
+          <a:p>
+            <a:pPr lvl="1"/>
+            <a:endParaRPr lang="en-US" dirty="0"/>
+          </a:p>
+        </p:txBody>
+      </p:sp>
+      <p:pic>
+        <p:nvPicPr>
+          <p:cNvPr id="3" name="Picture 2">
+            <a:extLst>
+              <a:ext uri="{FF2B5EF4-FFF2-40B4-BE49-F238E27FC236}">
+                <a16:creationId xmlns:a16="http://schemas.microsoft.com/office/drawing/2014/main" id="{62504C6E-EE69-4341-B13A-D6BBBF268480}"/>
+              </a:ext>
+            </a:extLst>
+          </p:cNvPr>
+          <p:cNvPicPr>
+            <a:picLocks noChangeAspect="1"/>
+          </p:cNvPicPr>
+          <p:nvPr/>
+        </p:nvPicPr>
+        <p:blipFill>
+          <a:blip r:embed="rId2"/>
+          <a:stretch>
+            <a:fillRect/>
+          </a:stretch>
+        </p:blipFill>
+        <p:spPr>
+          <a:xfrm>
+            <a:off x="806163" y="1458801"/>
+            <a:ext cx="3535131" cy="2754148"/>
+          </a:xfrm>
+          <a:prstGeom prst="rect">
+            <a:avLst/>
+          </a:prstGeom>
+        </p:spPr>
+      </p:pic>
+      <p:pic>
+        <p:nvPicPr>
+          <p:cNvPr id="7" name="Picture 6">
+            <a:extLst>
+              <a:ext uri="{FF2B5EF4-FFF2-40B4-BE49-F238E27FC236}">
+                <a16:creationId xmlns:a16="http://schemas.microsoft.com/office/drawing/2014/main" id="{EDE0ADA7-9E16-463E-B427-0C59A24F0153}"/>
+              </a:ext>
+            </a:extLst>
+          </p:cNvPr>
+          <p:cNvPicPr>
+            <a:picLocks noChangeAspect="1"/>
+          </p:cNvPicPr>
+          <p:nvPr/>
+        </p:nvPicPr>
+        <p:blipFill>
+          <a:blip r:embed="rId3"/>
+          <a:stretch>
+            <a:fillRect/>
+          </a:stretch>
+        </p:blipFill>
+        <p:spPr>
+          <a:xfrm>
+            <a:off x="4802707" y="1542883"/>
+            <a:ext cx="3527562" cy="2670066"/>
+          </a:xfrm>
+          <a:prstGeom prst="rect">
+            <a:avLst/>
+          </a:prstGeom>
+        </p:spPr>
+      </p:pic>
+    </p:spTree>
+    <p:extLst>
+      <p:ext uri="{BB962C8B-B14F-4D97-AF65-F5344CB8AC3E}">
+        <p14:creationId xmlns:p14="http://schemas.microsoft.com/office/powerpoint/2010/main" val="3804017342"/>
+      </p:ext>
+    </p:extLst>
+  </p:cSld>
+  <p:clrMapOvr>
+    <a:masterClrMapping/>
+  </p:clrMapOvr>
+  <p:transition spd="slow">
+    <p:fade/>
+  </p:transition>
+</p:sld>
+</file>
+
+<file path=ppt/slides/slide23.xml><?xml version="1.0" encoding="utf-8"?>
+<p:sld xmlns:a="http://schemas.openxmlformats.org/drawingml/2006/main" xmlns:r="http://schemas.openxmlformats.org/officeDocument/2006/relationships" xmlns:p="http://schemas.openxmlformats.org/presentationml/2006/main">
+  <p:cSld>
+    <p:spTree>
+      <p:nvGrpSpPr>
+        <p:cNvPr id="1" name=""/>
+        <p:cNvGrpSpPr/>
+        <p:nvPr/>
+      </p:nvGrpSpPr>
+      <p:grpSpPr>
+        <a:xfrm>
+          <a:off x="0" y="0"/>
+          <a:ext cx="0" cy="0"/>
+          <a:chOff x="0" y="0"/>
+          <a:chExt cx="0" cy="0"/>
+        </a:xfrm>
+      </p:grpSpPr>
+      <p:sp>
+        <p:nvSpPr>
+          <p:cNvPr id="4" name="Title 3">
+            <a:extLst>
+              <a:ext uri="{FF2B5EF4-FFF2-40B4-BE49-F238E27FC236}">
+                <a16:creationId xmlns:a16="http://schemas.microsoft.com/office/drawing/2014/main" id="{46C21690-D582-4A18-AD21-9237EBAEBF39}"/>
+              </a:ext>
+            </a:extLst>
+          </p:cNvPr>
+          <p:cNvSpPr>
+            <a:spLocks noGrp="1"/>
+          </p:cNvSpPr>
+          <p:nvPr>
+            <p:ph type="title"/>
+          </p:nvPr>
+        </p:nvSpPr>
+        <p:spPr/>
+        <p:txBody>
+          <a:bodyPr/>
+          <a:lstStyle/>
+          <a:p>
+            <a:r>
+              <a:rPr lang="en-US" dirty="0"/>
+              <a:t>Simulator Example – Hamiltonian Coding</a:t>
+            </a:r>
+          </a:p>
+        </p:txBody>
+      </p:sp>
+      <p:sp>
+        <p:nvSpPr>
+          <p:cNvPr id="5" name="Content Placeholder 4">
+            <a:extLst>
+              <a:ext uri="{FF2B5EF4-FFF2-40B4-BE49-F238E27FC236}">
+                <a16:creationId xmlns:a16="http://schemas.microsoft.com/office/drawing/2014/main" id="{C4327134-0416-41CB-8B2B-A11ED63CF724}"/>
+              </a:ext>
+            </a:extLst>
+          </p:cNvPr>
+          <p:cNvSpPr>
+            <a:spLocks noGrp="1"/>
+          </p:cNvSpPr>
+          <p:nvPr>
+            <p:ph sz="quarter" idx="10"/>
+          </p:nvPr>
+        </p:nvSpPr>
+        <p:spPr/>
+        <p:txBody>
+          <a:bodyPr>
+            <a:normAutofit/>
+          </a:bodyPr>
+          <a:lstStyle/>
+          <a:p>
+            <a:pPr lvl="1"/>
+            <a:endParaRPr lang="en-US" dirty="0"/>
+          </a:p>
+          <a:p>
+            <a:pPr lvl="1"/>
+            <a:endParaRPr lang="en-US" dirty="0"/>
+          </a:p>
+        </p:txBody>
+      </p:sp>
+      <p:pic>
+        <p:nvPicPr>
+          <p:cNvPr id="3" name="Picture 2">
+            <a:extLst>
+              <a:ext uri="{FF2B5EF4-FFF2-40B4-BE49-F238E27FC236}">
+                <a16:creationId xmlns:a16="http://schemas.microsoft.com/office/drawing/2014/main" id="{62504C6E-EE69-4341-B13A-D6BBBF268480}"/>
+              </a:ext>
+            </a:extLst>
+          </p:cNvPr>
+          <p:cNvPicPr>
+            <a:picLocks noChangeAspect="1"/>
+          </p:cNvPicPr>
+          <p:nvPr/>
+        </p:nvPicPr>
+        <p:blipFill>
+          <a:blip r:embed="rId2"/>
+          <a:stretch>
+            <a:fillRect/>
+          </a:stretch>
+        </p:blipFill>
+        <p:spPr>
+          <a:xfrm>
+            <a:off x="806163" y="1458801"/>
+            <a:ext cx="3535131" cy="2754148"/>
+          </a:xfrm>
+          <a:prstGeom prst="rect">
+            <a:avLst/>
+          </a:prstGeom>
+        </p:spPr>
+      </p:pic>
+      <p:pic>
+        <p:nvPicPr>
+          <p:cNvPr id="6" name="Picture 5">
+            <a:extLst>
+              <a:ext uri="{FF2B5EF4-FFF2-40B4-BE49-F238E27FC236}">
+                <a16:creationId xmlns:a16="http://schemas.microsoft.com/office/drawing/2014/main" id="{74B740A4-5CB6-4DF2-9034-6D474CDFDF47}"/>
+              </a:ext>
+            </a:extLst>
+          </p:cNvPr>
+          <p:cNvPicPr>
+            <a:picLocks noChangeAspect="1"/>
+          </p:cNvPicPr>
+          <p:nvPr/>
+        </p:nvPicPr>
+        <p:blipFill>
+          <a:blip r:embed="rId3"/>
+          <a:stretch>
+            <a:fillRect/>
+          </a:stretch>
+        </p:blipFill>
+        <p:spPr>
+          <a:xfrm>
+            <a:off x="4802707" y="1379749"/>
+            <a:ext cx="3775494" cy="2912253"/>
+          </a:xfrm>
+          <a:prstGeom prst="rect">
+            <a:avLst/>
+          </a:prstGeom>
+        </p:spPr>
+      </p:pic>
+    </p:spTree>
+    <p:extLst>
+      <p:ext uri="{BB962C8B-B14F-4D97-AF65-F5344CB8AC3E}">
+        <p14:creationId xmlns:p14="http://schemas.microsoft.com/office/powerpoint/2010/main" val="3293227645"/>
+      </p:ext>
+    </p:extLst>
+  </p:cSld>
+  <p:clrMapOvr>
+    <a:masterClrMapping/>
+  </p:clrMapOvr>
+  <p:transition spd="slow">
+    <p:fade/>
+  </p:transition>
+</p:sld>
+</file>
+
+<file path=ppt/slides/slide24.xml><?xml version="1.0" encoding="utf-8"?>
+<p:sld xmlns:a="http://schemas.openxmlformats.org/drawingml/2006/main" xmlns:r="http://schemas.openxmlformats.org/officeDocument/2006/relationships" xmlns:p="http://schemas.openxmlformats.org/presentationml/2006/main">
+  <p:cSld>
+    <p:spTree>
+      <p:nvGrpSpPr>
+        <p:cNvPr id="1" name=""/>
+        <p:cNvGrpSpPr/>
+        <p:nvPr/>
+      </p:nvGrpSpPr>
+      <p:grpSpPr>
+        <a:xfrm>
+          <a:off x="0" y="0"/>
+          <a:ext cx="0" cy="0"/>
+          <a:chOff x="0" y="0"/>
+          <a:chExt cx="0" cy="0"/>
+        </a:xfrm>
+      </p:grpSpPr>
+      <p:sp>
+        <p:nvSpPr>
+          <p:cNvPr id="4" name="Title 3">
+            <a:extLst>
+              <a:ext uri="{FF2B5EF4-FFF2-40B4-BE49-F238E27FC236}">
+                <a16:creationId xmlns:a16="http://schemas.microsoft.com/office/drawing/2014/main" id="{46C21690-D582-4A18-AD21-9237EBAEBF39}"/>
+              </a:ext>
+            </a:extLst>
+          </p:cNvPr>
+          <p:cNvSpPr>
+            <a:spLocks noGrp="1"/>
+          </p:cNvSpPr>
+          <p:nvPr>
+            <p:ph type="title"/>
+          </p:nvPr>
+        </p:nvSpPr>
+        <p:spPr/>
+        <p:txBody>
+          <a:bodyPr/>
+          <a:lstStyle/>
+          <a:p>
+            <a:r>
+              <a:rPr lang="en-US" dirty="0"/>
+              <a:t>Simulator Example – Optimal Coding</a:t>
+            </a:r>
+          </a:p>
+        </p:txBody>
+      </p:sp>
+      <p:sp>
+        <p:nvSpPr>
+          <p:cNvPr id="5" name="Content Placeholder 4">
+            <a:extLst>
+              <a:ext uri="{FF2B5EF4-FFF2-40B4-BE49-F238E27FC236}">
+                <a16:creationId xmlns:a16="http://schemas.microsoft.com/office/drawing/2014/main" id="{C4327134-0416-41CB-8B2B-A11ED63CF724}"/>
+              </a:ext>
+            </a:extLst>
+          </p:cNvPr>
+          <p:cNvSpPr>
+            <a:spLocks noGrp="1"/>
+          </p:cNvSpPr>
+          <p:nvPr>
+            <p:ph sz="quarter" idx="10"/>
+          </p:nvPr>
+        </p:nvSpPr>
+        <p:spPr/>
+        <p:txBody>
+          <a:bodyPr>
+            <a:normAutofit/>
+          </a:bodyPr>
+          <a:lstStyle/>
+          <a:p>
+            <a:pPr lvl="1"/>
+            <a:endParaRPr lang="en-US" dirty="0"/>
+          </a:p>
+          <a:p>
+            <a:pPr lvl="1"/>
+            <a:endParaRPr lang="en-US" dirty="0"/>
+          </a:p>
+        </p:txBody>
+      </p:sp>
+      <p:pic>
+        <p:nvPicPr>
+          <p:cNvPr id="3" name="Picture 2">
+            <a:extLst>
+              <a:ext uri="{FF2B5EF4-FFF2-40B4-BE49-F238E27FC236}">
+                <a16:creationId xmlns:a16="http://schemas.microsoft.com/office/drawing/2014/main" id="{62504C6E-EE69-4341-B13A-D6BBBF268480}"/>
+              </a:ext>
+            </a:extLst>
+          </p:cNvPr>
+          <p:cNvPicPr>
+            <a:picLocks noChangeAspect="1"/>
+          </p:cNvPicPr>
+          <p:nvPr/>
+        </p:nvPicPr>
+        <p:blipFill>
+          <a:blip r:embed="rId2"/>
+          <a:stretch>
+            <a:fillRect/>
+          </a:stretch>
+        </p:blipFill>
+        <p:spPr>
+          <a:xfrm>
+            <a:off x="806163" y="1458801"/>
+            <a:ext cx="3535131" cy="2754148"/>
+          </a:xfrm>
+          <a:prstGeom prst="rect">
+            <a:avLst/>
+          </a:prstGeom>
+        </p:spPr>
+      </p:pic>
+      <p:sp>
+        <p:nvSpPr>
+          <p:cNvPr id="2" name="TextBox 1">
+            <a:extLst>
+              <a:ext uri="{FF2B5EF4-FFF2-40B4-BE49-F238E27FC236}">
+                <a16:creationId xmlns:a16="http://schemas.microsoft.com/office/drawing/2014/main" id="{4BDF4625-B78F-4B0A-A931-0FD46EC13424}"/>
+              </a:ext>
+            </a:extLst>
+          </p:cNvPr>
+          <p:cNvSpPr txBox="1"/>
+          <p:nvPr/>
+        </p:nvSpPr>
+        <p:spPr>
+          <a:xfrm>
+            <a:off x="6449849" y="1971993"/>
+            <a:ext cx="707245" cy="1569660"/>
+          </a:xfrm>
+          <a:prstGeom prst="rect">
+            <a:avLst/>
+          </a:prstGeom>
+          <a:noFill/>
+        </p:spPr>
+        <p:txBody>
+          <a:bodyPr wrap="none" rtlCol="0">
+            <a:spAutoFit/>
+          </a:bodyPr>
+          <a:lstStyle/>
+          <a:p>
+            <a:r>
+              <a:rPr lang="en-US" sz="9600" dirty="0"/>
+              <a:t>?</a:t>
+            </a:r>
+            <a:endParaRPr lang="en-US" dirty="0"/>
+          </a:p>
+        </p:txBody>
+      </p:sp>
+    </p:spTree>
+    <p:extLst>
+      <p:ext uri="{BB962C8B-B14F-4D97-AF65-F5344CB8AC3E}">
+        <p14:creationId xmlns:p14="http://schemas.microsoft.com/office/powerpoint/2010/main" val="3359957225"/>
       </p:ext>
     </p:extLst>
   </p:cSld>

--- a/CS231N_project_v2.pptx
+++ b/CS231N_project_v2.pptx
@@ -5,10 +5,10 @@
     <p:sldMasterId id="2147483699" r:id="rId1"/>
   </p:sldMasterIdLst>
   <p:notesMasterIdLst>
-    <p:notesMasterId r:id="rId26"/>
+    <p:notesMasterId r:id="rId27"/>
   </p:notesMasterIdLst>
   <p:handoutMasterIdLst>
-    <p:handoutMasterId r:id="rId27"/>
+    <p:handoutMasterId r:id="rId28"/>
   </p:handoutMasterIdLst>
   <p:sldIdLst>
     <p:sldId id="256" r:id="rId2"/>
@@ -32,9 +32,10 @@
     <p:sldId id="321" r:id="rId20"/>
     <p:sldId id="322" r:id="rId21"/>
     <p:sldId id="342" r:id="rId22"/>
-    <p:sldId id="343" r:id="rId23"/>
-    <p:sldId id="344" r:id="rId24"/>
-    <p:sldId id="345" r:id="rId25"/>
+    <p:sldId id="344" r:id="rId23"/>
+    <p:sldId id="349" r:id="rId24"/>
+    <p:sldId id="348" r:id="rId25"/>
+    <p:sldId id="350" r:id="rId26"/>
   </p:sldIdLst>
   <p:sldSz cx="9144000" cy="5143500" type="screen16x9"/>
   <p:notesSz cx="6858000" cy="9144000"/>
@@ -189,9 +190,10 @@
             <p14:sldId id="321"/>
             <p14:sldId id="322"/>
             <p14:sldId id="342"/>
-            <p14:sldId id="343"/>
             <p14:sldId id="344"/>
-            <p14:sldId id="345"/>
+            <p14:sldId id="349"/>
+            <p14:sldId id="348"/>
+            <p14:sldId id="350"/>
           </p14:sldIdLst>
         </p14:section>
       </p14:sectionLst>
@@ -3240,14 +3242,14 @@
           </a:ln>
           <a:extLst>
             <a:ext uri="{909E8E84-426E-40dd-AFC4-6F175D3DCCD1}">
-              <a14:hiddenFill xmlns:a14="http://schemas.microsoft.com/office/drawing/2010/main" xmlns="">
+              <a14:hiddenFill xmlns="" xmlns:a14="http://schemas.microsoft.com/office/drawing/2010/main">
                 <a:solidFill>
                   <a:srgbClr val="FFFFFF"/>
                 </a:solidFill>
               </a14:hiddenFill>
             </a:ext>
             <a:ext uri="{91240B29-F687-4f45-9708-019B960494DF}">
-              <a14:hiddenLine xmlns:a14="http://schemas.microsoft.com/office/drawing/2010/main" xmlns="" w="9525">
+              <a14:hiddenLine xmlns="" xmlns:a14="http://schemas.microsoft.com/office/drawing/2010/main" w="9525">
                 <a:solidFill>
                   <a:srgbClr val="000000"/>
                 </a:solidFill>
@@ -3257,7 +3259,7 @@
               </a14:hiddenLine>
             </a:ext>
             <a:ext uri="{FAA26D3D-D897-4be2-8F04-BA451C77F1D7}">
-              <ma14:placeholderFlag xmlns:ma14="http://schemas.microsoft.com/office/mac/drawingml/2011/main" xmlns="" val="1"/>
+              <ma14:placeholderFlag xmlns="" xmlns:ma14="http://schemas.microsoft.com/office/mac/drawingml/2011/main" val="1"/>
             </a:ext>
           </a:extLst>
         </p:spPr>
@@ -8920,10 +8922,10 @@
       </p:sp>
       <p:pic>
         <p:nvPicPr>
-          <p:cNvPr id="3" name="Picture 2">
+          <p:cNvPr id="8" name="Picture 7">
             <a:extLst>
               <a:ext uri="{FF2B5EF4-FFF2-40B4-BE49-F238E27FC236}">
-                <a16:creationId xmlns:a16="http://schemas.microsoft.com/office/drawing/2014/main" id="{62504C6E-EE69-4341-B13A-D6BBBF268480}"/>
+                <a16:creationId xmlns:a16="http://schemas.microsoft.com/office/drawing/2014/main" id="{8684B880-EDB8-41C9-B51D-BDA27282118A}"/>
               </a:ext>
             </a:extLst>
           </p:cNvPr>
@@ -8940,8 +8942,8 @@
         </p:blipFill>
         <p:spPr>
           <a:xfrm>
-            <a:off x="806163" y="1458801"/>
-            <a:ext cx="3535131" cy="2754148"/>
+            <a:off x="0" y="1214944"/>
+            <a:ext cx="4301882" cy="3226412"/>
           </a:xfrm>
           <a:prstGeom prst="rect">
             <a:avLst/>
@@ -8950,10 +8952,10 @@
       </p:pic>
       <p:pic>
         <p:nvPicPr>
-          <p:cNvPr id="7" name="Picture 6">
+          <p:cNvPr id="10" name="Picture 9">
             <a:extLst>
               <a:ext uri="{FF2B5EF4-FFF2-40B4-BE49-F238E27FC236}">
-                <a16:creationId xmlns:a16="http://schemas.microsoft.com/office/drawing/2014/main" id="{EDE0ADA7-9E16-463E-B427-0C59A24F0153}"/>
+                <a16:creationId xmlns:a16="http://schemas.microsoft.com/office/drawing/2014/main" id="{5A8782E5-46C2-418F-9FB9-DA2D039819F8}"/>
               </a:ext>
             </a:extLst>
           </p:cNvPr>
@@ -8970,18 +8972,54 @@
         </p:blipFill>
         <p:spPr>
           <a:xfrm>
-            <a:off x="4802707" y="1542883"/>
-            <a:ext cx="3527562" cy="2670066"/>
+            <a:off x="4845857" y="1214944"/>
+            <a:ext cx="4301882" cy="3226411"/>
           </a:xfrm>
           <a:prstGeom prst="rect">
             <a:avLst/>
           </a:prstGeom>
         </p:spPr>
       </p:pic>
+      <p:sp>
+        <p:nvSpPr>
+          <p:cNvPr id="7" name="TextBox 6">
+            <a:extLst>
+              <a:ext uri="{FF2B5EF4-FFF2-40B4-BE49-F238E27FC236}">
+                <a16:creationId xmlns:a16="http://schemas.microsoft.com/office/drawing/2014/main" id="{FFCA0249-5CBA-4E60-98AE-3BC61B3A6886}"/>
+              </a:ext>
+            </a:extLst>
+          </p:cNvPr>
+          <p:cNvSpPr txBox="1"/>
+          <p:nvPr/>
+        </p:nvSpPr>
+        <p:spPr>
+          <a:xfrm>
+            <a:off x="3093336" y="1282263"/>
+            <a:ext cx="2961067" cy="369332"/>
+          </a:xfrm>
+          <a:prstGeom prst="rect">
+            <a:avLst/>
+          </a:prstGeom>
+          <a:noFill/>
+        </p:spPr>
+        <p:txBody>
+          <a:bodyPr wrap="none" rtlCol="0">
+            <a:spAutoFit/>
+          </a:bodyPr>
+          <a:lstStyle/>
+          <a:p>
+            <a:pPr algn="ctr"/>
+            <a:r>
+              <a:rPr lang="en-US" dirty="0"/>
+              <a:t>Mean Squared Error: 1670.07</a:t>
+            </a:r>
+          </a:p>
+        </p:txBody>
+      </p:sp>
     </p:spTree>
     <p:extLst>
       <p:ext uri="{BB962C8B-B14F-4D97-AF65-F5344CB8AC3E}">
-        <p14:creationId xmlns:p14="http://schemas.microsoft.com/office/powerpoint/2010/main" val="3804017342"/>
+        <p14:creationId xmlns:p14="http://schemas.microsoft.com/office/powerpoint/2010/main" val="3293227645"/>
       </p:ext>
     </p:extLst>
   </p:cSld>
@@ -9034,7 +9072,7 @@
           <a:p>
             <a:r>
               <a:rPr lang="en-US" dirty="0"/>
-              <a:t>Simulator Example – Hamiltonian Coding</a:t>
+              <a:t>Simulator Example – Square Coding</a:t>
             </a:r>
           </a:p>
         </p:txBody>
@@ -9073,10 +9111,10 @@
       </p:sp>
       <p:pic>
         <p:nvPicPr>
-          <p:cNvPr id="3" name="Picture 2">
+          <p:cNvPr id="8" name="Picture 7">
             <a:extLst>
               <a:ext uri="{FF2B5EF4-FFF2-40B4-BE49-F238E27FC236}">
-                <a16:creationId xmlns:a16="http://schemas.microsoft.com/office/drawing/2014/main" id="{62504C6E-EE69-4341-B13A-D6BBBF268480}"/>
+                <a16:creationId xmlns:a16="http://schemas.microsoft.com/office/drawing/2014/main" id="{8684B880-EDB8-41C9-B51D-BDA27282118A}"/>
               </a:ext>
             </a:extLst>
           </p:cNvPr>
@@ -9093,8 +9131,8 @@
         </p:blipFill>
         <p:spPr>
           <a:xfrm>
-            <a:off x="806163" y="1458801"/>
-            <a:ext cx="3535131" cy="2754148"/>
+            <a:off x="0" y="1214944"/>
+            <a:ext cx="4301882" cy="3226412"/>
           </a:xfrm>
           <a:prstGeom prst="rect">
             <a:avLst/>
@@ -9103,10 +9141,10 @@
       </p:pic>
       <p:pic>
         <p:nvPicPr>
-          <p:cNvPr id="6" name="Picture 5">
+          <p:cNvPr id="10" name="Picture 9">
             <a:extLst>
               <a:ext uri="{FF2B5EF4-FFF2-40B4-BE49-F238E27FC236}">
-                <a16:creationId xmlns:a16="http://schemas.microsoft.com/office/drawing/2014/main" id="{74B740A4-5CB6-4DF2-9034-6D474CDFDF47}"/>
+                <a16:creationId xmlns:a16="http://schemas.microsoft.com/office/drawing/2014/main" id="{5A8782E5-46C2-418F-9FB9-DA2D039819F8}"/>
               </a:ext>
             </a:extLst>
           </p:cNvPr>
@@ -9123,18 +9161,54 @@
         </p:blipFill>
         <p:spPr>
           <a:xfrm>
-            <a:off x="4802707" y="1379749"/>
-            <a:ext cx="3775494" cy="2912253"/>
+            <a:off x="4845857" y="1214944"/>
+            <a:ext cx="4301882" cy="3226411"/>
           </a:xfrm>
           <a:prstGeom prst="rect">
             <a:avLst/>
           </a:prstGeom>
         </p:spPr>
       </p:pic>
+      <p:sp>
+        <p:nvSpPr>
+          <p:cNvPr id="7" name="TextBox 6">
+            <a:extLst>
+              <a:ext uri="{FF2B5EF4-FFF2-40B4-BE49-F238E27FC236}">
+                <a16:creationId xmlns:a16="http://schemas.microsoft.com/office/drawing/2014/main" id="{FFCA0249-5CBA-4E60-98AE-3BC61B3A6886}"/>
+              </a:ext>
+            </a:extLst>
+          </p:cNvPr>
+          <p:cNvSpPr txBox="1"/>
+          <p:nvPr/>
+        </p:nvSpPr>
+        <p:spPr>
+          <a:xfrm>
+            <a:off x="3151045" y="1282263"/>
+            <a:ext cx="2845651" cy="369332"/>
+          </a:xfrm>
+          <a:prstGeom prst="rect">
+            <a:avLst/>
+          </a:prstGeom>
+          <a:noFill/>
+        </p:spPr>
+        <p:txBody>
+          <a:bodyPr wrap="none" rtlCol="0">
+            <a:spAutoFit/>
+          </a:bodyPr>
+          <a:lstStyle/>
+          <a:p>
+            <a:pPr algn="ctr"/>
+            <a:r>
+              <a:rPr lang="en-US" dirty="0"/>
+              <a:t>Mean Squared Error: 630.01</a:t>
+            </a:r>
+          </a:p>
+        </p:txBody>
+      </p:sp>
     </p:spTree>
     <p:extLst>
       <p:ext uri="{BB962C8B-B14F-4D97-AF65-F5344CB8AC3E}">
-        <p14:creationId xmlns:p14="http://schemas.microsoft.com/office/powerpoint/2010/main" val="3293227645"/>
+        <p14:creationId xmlns:p14="http://schemas.microsoft.com/office/powerpoint/2010/main" val="1440196249"/>
       </p:ext>
     </p:extLst>
   </p:cSld>
@@ -9187,7 +9261,7 @@
           <a:p>
             <a:r>
               <a:rPr lang="en-US" dirty="0"/>
-              <a:t>Simulator Example – Optimal Coding</a:t>
+              <a:t>Simulator Example – Hamiltonian Coding</a:t>
             </a:r>
           </a:p>
         </p:txBody>
@@ -9226,10 +9300,10 @@
       </p:sp>
       <p:pic>
         <p:nvPicPr>
-          <p:cNvPr id="3" name="Picture 2">
+          <p:cNvPr id="8" name="Picture 7">
             <a:extLst>
               <a:ext uri="{FF2B5EF4-FFF2-40B4-BE49-F238E27FC236}">
-                <a16:creationId xmlns:a16="http://schemas.microsoft.com/office/drawing/2014/main" id="{62504C6E-EE69-4341-B13A-D6BBBF268480}"/>
+                <a16:creationId xmlns:a16="http://schemas.microsoft.com/office/drawing/2014/main" id="{8684B880-EDB8-41C9-B51D-BDA27282118A}"/>
               </a:ext>
             </a:extLst>
           </p:cNvPr>
@@ -9246,8 +9320,38 @@
         </p:blipFill>
         <p:spPr>
           <a:xfrm>
-            <a:off x="806163" y="1458801"/>
-            <a:ext cx="3535131" cy="2754148"/>
+            <a:off x="0" y="1214944"/>
+            <a:ext cx="4301882" cy="3226412"/>
+          </a:xfrm>
+          <a:prstGeom prst="rect">
+            <a:avLst/>
+          </a:prstGeom>
+        </p:spPr>
+      </p:pic>
+      <p:pic>
+        <p:nvPicPr>
+          <p:cNvPr id="10" name="Picture 9">
+            <a:extLst>
+              <a:ext uri="{FF2B5EF4-FFF2-40B4-BE49-F238E27FC236}">
+                <a16:creationId xmlns:a16="http://schemas.microsoft.com/office/drawing/2014/main" id="{5A8782E5-46C2-418F-9FB9-DA2D039819F8}"/>
+              </a:ext>
+            </a:extLst>
+          </p:cNvPr>
+          <p:cNvPicPr>
+            <a:picLocks noChangeAspect="1"/>
+          </p:cNvPicPr>
+          <p:nvPr/>
+        </p:nvPicPr>
+        <p:blipFill>
+          <a:blip r:embed="rId3"/>
+          <a:stretch>
+            <a:fillRect/>
+          </a:stretch>
+        </p:blipFill>
+        <p:spPr>
+          <a:xfrm>
+            <a:off x="4845857" y="1214944"/>
+            <a:ext cx="4301882" cy="3226412"/>
           </a:xfrm>
           <a:prstGeom prst="rect">
             <a:avLst/>
@@ -9256,10 +9360,10 @@
       </p:pic>
       <p:sp>
         <p:nvSpPr>
-          <p:cNvPr id="2" name="TextBox 1">
+          <p:cNvPr id="7" name="TextBox 6">
             <a:extLst>
               <a:ext uri="{FF2B5EF4-FFF2-40B4-BE49-F238E27FC236}">
-                <a16:creationId xmlns:a16="http://schemas.microsoft.com/office/drawing/2014/main" id="{4BDF4625-B78F-4B0A-A931-0FD46EC13424}"/>
+                <a16:creationId xmlns:a16="http://schemas.microsoft.com/office/drawing/2014/main" id="{FFCA0249-5CBA-4E60-98AE-3BC61B3A6886}"/>
               </a:ext>
             </a:extLst>
           </p:cNvPr>
@@ -9268,7 +9372,166 @@
         </p:nvSpPr>
         <p:spPr>
           <a:xfrm>
-            <a:off x="6449849" y="1971993"/>
+            <a:off x="3151044" y="1282263"/>
+            <a:ext cx="2845651" cy="369332"/>
+          </a:xfrm>
+          <a:prstGeom prst="rect">
+            <a:avLst/>
+          </a:prstGeom>
+          <a:noFill/>
+        </p:spPr>
+        <p:txBody>
+          <a:bodyPr wrap="none" rtlCol="0">
+            <a:spAutoFit/>
+          </a:bodyPr>
+          <a:lstStyle/>
+          <a:p>
+            <a:pPr algn="ctr"/>
+            <a:r>
+              <a:rPr lang="en-US" dirty="0"/>
+              <a:t>Mean Squared Error: 112.77</a:t>
+            </a:r>
+          </a:p>
+        </p:txBody>
+      </p:sp>
+    </p:spTree>
+    <p:extLst>
+      <p:ext uri="{BB962C8B-B14F-4D97-AF65-F5344CB8AC3E}">
+        <p14:creationId xmlns:p14="http://schemas.microsoft.com/office/powerpoint/2010/main" val="2619610835"/>
+      </p:ext>
+    </p:extLst>
+  </p:cSld>
+  <p:clrMapOvr>
+    <a:masterClrMapping/>
+  </p:clrMapOvr>
+  <p:transition spd="slow">
+    <p:fade/>
+  </p:transition>
+</p:sld>
+</file>
+
+<file path=ppt/slides/slide25.xml><?xml version="1.0" encoding="utf-8"?>
+<p:sld xmlns:a="http://schemas.openxmlformats.org/drawingml/2006/main" xmlns:r="http://schemas.openxmlformats.org/officeDocument/2006/relationships" xmlns:p="http://schemas.openxmlformats.org/presentationml/2006/main">
+  <p:cSld>
+    <p:spTree>
+      <p:nvGrpSpPr>
+        <p:cNvPr id="1" name=""/>
+        <p:cNvGrpSpPr/>
+        <p:nvPr/>
+      </p:nvGrpSpPr>
+      <p:grpSpPr>
+        <a:xfrm>
+          <a:off x="0" y="0"/>
+          <a:ext cx="0" cy="0"/>
+          <a:chOff x="0" y="0"/>
+          <a:chExt cx="0" cy="0"/>
+        </a:xfrm>
+      </p:grpSpPr>
+      <p:sp>
+        <p:nvSpPr>
+          <p:cNvPr id="4" name="Title 3">
+            <a:extLst>
+              <a:ext uri="{FF2B5EF4-FFF2-40B4-BE49-F238E27FC236}">
+                <a16:creationId xmlns:a16="http://schemas.microsoft.com/office/drawing/2014/main" id="{46C21690-D582-4A18-AD21-9237EBAEBF39}"/>
+              </a:ext>
+            </a:extLst>
+          </p:cNvPr>
+          <p:cNvSpPr>
+            <a:spLocks noGrp="1"/>
+          </p:cNvSpPr>
+          <p:nvPr>
+            <p:ph type="title"/>
+          </p:nvPr>
+        </p:nvSpPr>
+        <p:spPr/>
+        <p:txBody>
+          <a:bodyPr/>
+          <a:lstStyle/>
+          <a:p>
+            <a:r>
+              <a:rPr lang="en-US" dirty="0"/>
+              <a:t>Simulator Example – Optimal Coding</a:t>
+            </a:r>
+          </a:p>
+        </p:txBody>
+      </p:sp>
+      <p:sp>
+        <p:nvSpPr>
+          <p:cNvPr id="5" name="Content Placeholder 4">
+            <a:extLst>
+              <a:ext uri="{FF2B5EF4-FFF2-40B4-BE49-F238E27FC236}">
+                <a16:creationId xmlns:a16="http://schemas.microsoft.com/office/drawing/2014/main" id="{C4327134-0416-41CB-8B2B-A11ED63CF724}"/>
+              </a:ext>
+            </a:extLst>
+          </p:cNvPr>
+          <p:cNvSpPr>
+            <a:spLocks noGrp="1"/>
+          </p:cNvSpPr>
+          <p:nvPr>
+            <p:ph sz="quarter" idx="10"/>
+          </p:nvPr>
+        </p:nvSpPr>
+        <p:spPr/>
+        <p:txBody>
+          <a:bodyPr>
+            <a:normAutofit/>
+          </a:bodyPr>
+          <a:lstStyle/>
+          <a:p>
+            <a:pPr lvl="1"/>
+            <a:endParaRPr lang="en-US" dirty="0"/>
+          </a:p>
+          <a:p>
+            <a:pPr lvl="1"/>
+            <a:endParaRPr lang="en-US" dirty="0"/>
+          </a:p>
+        </p:txBody>
+      </p:sp>
+      <p:pic>
+        <p:nvPicPr>
+          <p:cNvPr id="8" name="Picture 7">
+            <a:extLst>
+              <a:ext uri="{FF2B5EF4-FFF2-40B4-BE49-F238E27FC236}">
+                <a16:creationId xmlns:a16="http://schemas.microsoft.com/office/drawing/2014/main" id="{8684B880-EDB8-41C9-B51D-BDA27282118A}"/>
+              </a:ext>
+            </a:extLst>
+          </p:cNvPr>
+          <p:cNvPicPr>
+            <a:picLocks noChangeAspect="1"/>
+          </p:cNvPicPr>
+          <p:nvPr/>
+        </p:nvPicPr>
+        <p:blipFill>
+          <a:blip r:embed="rId2"/>
+          <a:stretch>
+            <a:fillRect/>
+          </a:stretch>
+        </p:blipFill>
+        <p:spPr>
+          <a:xfrm>
+            <a:off x="0" y="1214944"/>
+            <a:ext cx="4301882" cy="3226412"/>
+          </a:xfrm>
+          <a:prstGeom prst="rect">
+            <a:avLst/>
+          </a:prstGeom>
+        </p:spPr>
+      </p:pic>
+      <p:sp>
+        <p:nvSpPr>
+          <p:cNvPr id="9" name="TextBox 8">
+            <a:extLst>
+              <a:ext uri="{FF2B5EF4-FFF2-40B4-BE49-F238E27FC236}">
+                <a16:creationId xmlns:a16="http://schemas.microsoft.com/office/drawing/2014/main" id="{88A58F29-2AED-4393-918E-4445843E6B5C}"/>
+              </a:ext>
+            </a:extLst>
+          </p:cNvPr>
+          <p:cNvSpPr txBox="1"/>
+          <p:nvPr/>
+        </p:nvSpPr>
+        <p:spPr>
+          <a:xfrm>
+            <a:off x="6639035" y="1971993"/>
             <a:ext cx="707245" cy="1569660"/>
           </a:xfrm>
           <a:prstGeom prst="rect">
@@ -9293,7 +9556,7 @@
     </p:spTree>
     <p:extLst>
       <p:ext uri="{BB962C8B-B14F-4D97-AF65-F5344CB8AC3E}">
-        <p14:creationId xmlns:p14="http://schemas.microsoft.com/office/powerpoint/2010/main" val="3359957225"/>
+        <p14:creationId xmlns:p14="http://schemas.microsoft.com/office/powerpoint/2010/main" val="1701663337"/>
       </p:ext>
     </p:extLst>
   </p:cSld>

--- a/CS231N_project_v2.pptx
+++ b/CS231N_project_v2.pptx
@@ -5,10 +5,10 @@
     <p:sldMasterId id="2147483699" r:id="rId1"/>
   </p:sldMasterIdLst>
   <p:notesMasterIdLst>
-    <p:notesMasterId r:id="rId27"/>
+    <p:notesMasterId r:id="rId30"/>
   </p:notesMasterIdLst>
   <p:handoutMasterIdLst>
-    <p:handoutMasterId r:id="rId28"/>
+    <p:handoutMasterId r:id="rId31"/>
   </p:handoutMasterIdLst>
   <p:sldIdLst>
     <p:sldId id="256" r:id="rId2"/>
@@ -33,9 +33,12 @@
     <p:sldId id="322" r:id="rId21"/>
     <p:sldId id="342" r:id="rId22"/>
     <p:sldId id="344" r:id="rId23"/>
-    <p:sldId id="349" r:id="rId24"/>
-    <p:sldId id="348" r:id="rId25"/>
-    <p:sldId id="350" r:id="rId26"/>
+    <p:sldId id="348" r:id="rId24"/>
+    <p:sldId id="349" r:id="rId25"/>
+    <p:sldId id="353" r:id="rId26"/>
+    <p:sldId id="351" r:id="rId27"/>
+    <p:sldId id="352" r:id="rId28"/>
+    <p:sldId id="350" r:id="rId29"/>
   </p:sldIdLst>
   <p:sldSz cx="9144000" cy="5143500" type="screen16x9"/>
   <p:notesSz cx="6858000" cy="9144000"/>
@@ -191,8 +194,11 @@
             <p14:sldId id="322"/>
             <p14:sldId id="342"/>
             <p14:sldId id="344"/>
+            <p14:sldId id="348"/>
             <p14:sldId id="349"/>
-            <p14:sldId id="348"/>
+            <p14:sldId id="353"/>
+            <p14:sldId id="351"/>
+            <p14:sldId id="352"/>
             <p14:sldId id="350"/>
           </p14:sldIdLst>
         </p14:section>
@@ -3242,14 +3248,14 @@
           </a:ln>
           <a:extLst>
             <a:ext uri="{909E8E84-426E-40dd-AFC4-6F175D3DCCD1}">
-              <a14:hiddenFill xmlns="" xmlns:a14="http://schemas.microsoft.com/office/drawing/2010/main">
+              <a14:hiddenFill xmlns:a14="http://schemas.microsoft.com/office/drawing/2010/main" xmlns="">
                 <a:solidFill>
                   <a:srgbClr val="FFFFFF"/>
                 </a:solidFill>
               </a14:hiddenFill>
             </a:ext>
             <a:ext uri="{91240B29-F687-4f45-9708-019B960494DF}">
-              <a14:hiddenLine xmlns="" xmlns:a14="http://schemas.microsoft.com/office/drawing/2010/main" w="9525">
+              <a14:hiddenLine xmlns:a14="http://schemas.microsoft.com/office/drawing/2010/main" xmlns="" w="9525">
                 <a:solidFill>
                   <a:srgbClr val="000000"/>
                 </a:solidFill>
@@ -3259,7 +3265,7 @@
               </a14:hiddenLine>
             </a:ext>
             <a:ext uri="{FAA26D3D-D897-4be2-8F04-BA451C77F1D7}">
-              <ma14:placeholderFlag xmlns="" xmlns:ma14="http://schemas.microsoft.com/office/mac/drawingml/2011/main" val="1"/>
+              <ma14:placeholderFlag xmlns:ma14="http://schemas.microsoft.com/office/mac/drawingml/2011/main" xmlns="" val="1"/>
             </a:ext>
           </a:extLst>
         </p:spPr>
@@ -9072,6 +9078,195 @@
           <a:p>
             <a:r>
               <a:rPr lang="en-US" dirty="0"/>
+              <a:t>Simulator Example – Hamiltonian Coding</a:t>
+            </a:r>
+          </a:p>
+        </p:txBody>
+      </p:sp>
+      <p:sp>
+        <p:nvSpPr>
+          <p:cNvPr id="5" name="Content Placeholder 4">
+            <a:extLst>
+              <a:ext uri="{FF2B5EF4-FFF2-40B4-BE49-F238E27FC236}">
+                <a16:creationId xmlns:a16="http://schemas.microsoft.com/office/drawing/2014/main" id="{C4327134-0416-41CB-8B2B-A11ED63CF724}"/>
+              </a:ext>
+            </a:extLst>
+          </p:cNvPr>
+          <p:cNvSpPr>
+            <a:spLocks noGrp="1"/>
+          </p:cNvSpPr>
+          <p:nvPr>
+            <p:ph sz="quarter" idx="10"/>
+          </p:nvPr>
+        </p:nvSpPr>
+        <p:spPr/>
+        <p:txBody>
+          <a:bodyPr>
+            <a:normAutofit/>
+          </a:bodyPr>
+          <a:lstStyle/>
+          <a:p>
+            <a:pPr lvl="1"/>
+            <a:endParaRPr lang="en-US" dirty="0"/>
+          </a:p>
+          <a:p>
+            <a:pPr lvl="1"/>
+            <a:endParaRPr lang="en-US" dirty="0"/>
+          </a:p>
+        </p:txBody>
+      </p:sp>
+      <p:pic>
+        <p:nvPicPr>
+          <p:cNvPr id="8" name="Picture 7">
+            <a:extLst>
+              <a:ext uri="{FF2B5EF4-FFF2-40B4-BE49-F238E27FC236}">
+                <a16:creationId xmlns:a16="http://schemas.microsoft.com/office/drawing/2014/main" id="{8684B880-EDB8-41C9-B51D-BDA27282118A}"/>
+              </a:ext>
+            </a:extLst>
+          </p:cNvPr>
+          <p:cNvPicPr>
+            <a:picLocks noChangeAspect="1"/>
+          </p:cNvPicPr>
+          <p:nvPr/>
+        </p:nvPicPr>
+        <p:blipFill>
+          <a:blip r:embed="rId2"/>
+          <a:stretch>
+            <a:fillRect/>
+          </a:stretch>
+        </p:blipFill>
+        <p:spPr>
+          <a:xfrm>
+            <a:off x="0" y="1214944"/>
+            <a:ext cx="4301882" cy="3226412"/>
+          </a:xfrm>
+          <a:prstGeom prst="rect">
+            <a:avLst/>
+          </a:prstGeom>
+        </p:spPr>
+      </p:pic>
+      <p:pic>
+        <p:nvPicPr>
+          <p:cNvPr id="10" name="Picture 9">
+            <a:extLst>
+              <a:ext uri="{FF2B5EF4-FFF2-40B4-BE49-F238E27FC236}">
+                <a16:creationId xmlns:a16="http://schemas.microsoft.com/office/drawing/2014/main" id="{5A8782E5-46C2-418F-9FB9-DA2D039819F8}"/>
+              </a:ext>
+            </a:extLst>
+          </p:cNvPr>
+          <p:cNvPicPr>
+            <a:picLocks noChangeAspect="1"/>
+          </p:cNvPicPr>
+          <p:nvPr/>
+        </p:nvPicPr>
+        <p:blipFill>
+          <a:blip r:embed="rId3"/>
+          <a:stretch>
+            <a:fillRect/>
+          </a:stretch>
+        </p:blipFill>
+        <p:spPr>
+          <a:xfrm>
+            <a:off x="4845857" y="1214944"/>
+            <a:ext cx="4301882" cy="3226412"/>
+          </a:xfrm>
+          <a:prstGeom prst="rect">
+            <a:avLst/>
+          </a:prstGeom>
+        </p:spPr>
+      </p:pic>
+      <p:sp>
+        <p:nvSpPr>
+          <p:cNvPr id="7" name="TextBox 6">
+            <a:extLst>
+              <a:ext uri="{FF2B5EF4-FFF2-40B4-BE49-F238E27FC236}">
+                <a16:creationId xmlns:a16="http://schemas.microsoft.com/office/drawing/2014/main" id="{FFCA0249-5CBA-4E60-98AE-3BC61B3A6886}"/>
+              </a:ext>
+            </a:extLst>
+          </p:cNvPr>
+          <p:cNvSpPr txBox="1"/>
+          <p:nvPr/>
+        </p:nvSpPr>
+        <p:spPr>
+          <a:xfrm>
+            <a:off x="3151044" y="1282263"/>
+            <a:ext cx="2845651" cy="369332"/>
+          </a:xfrm>
+          <a:prstGeom prst="rect">
+            <a:avLst/>
+          </a:prstGeom>
+          <a:noFill/>
+        </p:spPr>
+        <p:txBody>
+          <a:bodyPr wrap="none" rtlCol="0">
+            <a:spAutoFit/>
+          </a:bodyPr>
+          <a:lstStyle/>
+          <a:p>
+            <a:pPr algn="ctr"/>
+            <a:r>
+              <a:rPr lang="en-US" dirty="0"/>
+              <a:t>Mean Squared Error: 112.77</a:t>
+            </a:r>
+          </a:p>
+        </p:txBody>
+      </p:sp>
+    </p:spTree>
+    <p:extLst>
+      <p:ext uri="{BB962C8B-B14F-4D97-AF65-F5344CB8AC3E}">
+        <p14:creationId xmlns:p14="http://schemas.microsoft.com/office/powerpoint/2010/main" val="2619610835"/>
+      </p:ext>
+    </p:extLst>
+  </p:cSld>
+  <p:clrMapOvr>
+    <a:masterClrMapping/>
+  </p:clrMapOvr>
+  <p:transition spd="slow">
+    <p:fade/>
+  </p:transition>
+</p:sld>
+</file>
+
+<file path=ppt/slides/slide24.xml><?xml version="1.0" encoding="utf-8"?>
+<p:sld xmlns:a="http://schemas.openxmlformats.org/drawingml/2006/main" xmlns:r="http://schemas.openxmlformats.org/officeDocument/2006/relationships" xmlns:p="http://schemas.openxmlformats.org/presentationml/2006/main">
+  <p:cSld>
+    <p:spTree>
+      <p:nvGrpSpPr>
+        <p:cNvPr id="1" name=""/>
+        <p:cNvGrpSpPr/>
+        <p:nvPr/>
+      </p:nvGrpSpPr>
+      <p:grpSpPr>
+        <a:xfrm>
+          <a:off x="0" y="0"/>
+          <a:ext cx="0" cy="0"/>
+          <a:chOff x="0" y="0"/>
+          <a:chExt cx="0" cy="0"/>
+        </a:xfrm>
+      </p:grpSpPr>
+      <p:sp>
+        <p:nvSpPr>
+          <p:cNvPr id="4" name="Title 3">
+            <a:extLst>
+              <a:ext uri="{FF2B5EF4-FFF2-40B4-BE49-F238E27FC236}">
+                <a16:creationId xmlns:a16="http://schemas.microsoft.com/office/drawing/2014/main" id="{46C21690-D582-4A18-AD21-9237EBAEBF39}"/>
+              </a:ext>
+            </a:extLst>
+          </p:cNvPr>
+          <p:cNvSpPr>
+            <a:spLocks noGrp="1"/>
+          </p:cNvSpPr>
+          <p:nvPr>
+            <p:ph type="title"/>
+          </p:nvPr>
+        </p:nvSpPr>
+        <p:spPr/>
+        <p:txBody>
+          <a:bodyPr/>
+          <a:lstStyle/>
+          <a:p>
+            <a:r>
+              <a:rPr lang="en-US" dirty="0"/>
               <a:t>Simulator Example – Square Coding</a:t>
             </a:r>
           </a:p>
@@ -9221,7 +9416,7 @@
 </p:sld>
 </file>
 
-<file path=ppt/slides/slide24.xml><?xml version="1.0" encoding="utf-8"?>
+<file path=ppt/slides/slide25.xml><?xml version="1.0" encoding="utf-8"?>
 <p:sld xmlns:a="http://schemas.openxmlformats.org/drawingml/2006/main" xmlns:r="http://schemas.openxmlformats.org/officeDocument/2006/relationships" xmlns:p="http://schemas.openxmlformats.org/presentationml/2006/main">
   <p:cSld>
     <p:spTree>
@@ -9261,7 +9456,313 @@
           <a:p>
             <a:r>
               <a:rPr lang="en-US" dirty="0"/>
-              <a:t>Simulator Example – Hamiltonian Coding</a:t>
+              <a:t>Simulator Example – How about different length pulses</a:t>
+            </a:r>
+          </a:p>
+        </p:txBody>
+      </p:sp>
+      <p:sp>
+        <p:nvSpPr>
+          <p:cNvPr id="5" name="Content Placeholder 4">
+            <a:extLst>
+              <a:ext uri="{FF2B5EF4-FFF2-40B4-BE49-F238E27FC236}">
+                <a16:creationId xmlns:a16="http://schemas.microsoft.com/office/drawing/2014/main" id="{C4327134-0416-41CB-8B2B-A11ED63CF724}"/>
+              </a:ext>
+            </a:extLst>
+          </p:cNvPr>
+          <p:cNvSpPr>
+            <a:spLocks noGrp="1"/>
+          </p:cNvSpPr>
+          <p:nvPr>
+            <p:ph sz="quarter" idx="10"/>
+          </p:nvPr>
+        </p:nvSpPr>
+        <p:spPr/>
+        <p:txBody>
+          <a:bodyPr>
+            <a:normAutofit/>
+          </a:bodyPr>
+          <a:lstStyle/>
+          <a:p>
+            <a:pPr lvl="1"/>
+            <a:endParaRPr lang="en-US" dirty="0"/>
+          </a:p>
+          <a:p>
+            <a:pPr lvl="1"/>
+            <a:endParaRPr lang="en-US" dirty="0"/>
+          </a:p>
+        </p:txBody>
+      </p:sp>
+      <p:pic>
+        <p:nvPicPr>
+          <p:cNvPr id="9" name="Picture 8">
+            <a:extLst>
+              <a:ext uri="{FF2B5EF4-FFF2-40B4-BE49-F238E27FC236}">
+                <a16:creationId xmlns:a16="http://schemas.microsoft.com/office/drawing/2014/main" id="{646BF1BE-4FFD-46EF-A5D4-9F89DE167F18}"/>
+              </a:ext>
+            </a:extLst>
+          </p:cNvPr>
+          <p:cNvPicPr>
+            <a:picLocks noChangeAspect="1"/>
+          </p:cNvPicPr>
+          <p:nvPr/>
+        </p:nvPicPr>
+        <p:blipFill>
+          <a:blip r:embed="rId2"/>
+          <a:stretch>
+            <a:fillRect/>
+          </a:stretch>
+        </p:blipFill>
+        <p:spPr>
+          <a:xfrm>
+            <a:off x="955677" y="1021513"/>
+            <a:ext cx="4898362" cy="3673772"/>
+          </a:xfrm>
+          <a:prstGeom prst="rect">
+            <a:avLst/>
+          </a:prstGeom>
+        </p:spPr>
+      </p:pic>
+      <p:pic>
+        <p:nvPicPr>
+          <p:cNvPr id="2" name="Picture 1">
+            <a:extLst>
+              <a:ext uri="{FF2B5EF4-FFF2-40B4-BE49-F238E27FC236}">
+                <a16:creationId xmlns:a16="http://schemas.microsoft.com/office/drawing/2014/main" id="{D9022074-31E4-4A86-8FDD-909F61510280}"/>
+              </a:ext>
+            </a:extLst>
+          </p:cNvPr>
+          <p:cNvPicPr>
+            <a:picLocks noChangeAspect="1"/>
+          </p:cNvPicPr>
+          <p:nvPr/>
+        </p:nvPicPr>
+        <p:blipFill>
+          <a:blip r:embed="rId3"/>
+          <a:stretch>
+            <a:fillRect/>
+          </a:stretch>
+        </p:blipFill>
+        <p:spPr>
+          <a:xfrm>
+            <a:off x="5903338" y="1754669"/>
+            <a:ext cx="2925352" cy="2207459"/>
+          </a:xfrm>
+          <a:prstGeom prst="rect">
+            <a:avLst/>
+          </a:prstGeom>
+        </p:spPr>
+      </p:pic>
+    </p:spTree>
+    <p:extLst>
+      <p:ext uri="{BB962C8B-B14F-4D97-AF65-F5344CB8AC3E}">
+        <p14:creationId xmlns:p14="http://schemas.microsoft.com/office/powerpoint/2010/main" val="1935854698"/>
+      </p:ext>
+    </p:extLst>
+  </p:cSld>
+  <p:clrMapOvr>
+    <a:masterClrMapping/>
+  </p:clrMapOvr>
+  <p:transition spd="slow">
+    <p:fade/>
+  </p:transition>
+</p:sld>
+</file>
+
+<file path=ppt/slides/slide26.xml><?xml version="1.0" encoding="utf-8"?>
+<p:sld xmlns:a="http://schemas.openxmlformats.org/drawingml/2006/main" xmlns:r="http://schemas.openxmlformats.org/officeDocument/2006/relationships" xmlns:p="http://schemas.openxmlformats.org/presentationml/2006/main">
+  <p:cSld>
+    <p:spTree>
+      <p:nvGrpSpPr>
+        <p:cNvPr id="1" name=""/>
+        <p:cNvGrpSpPr/>
+        <p:nvPr/>
+      </p:nvGrpSpPr>
+      <p:grpSpPr>
+        <a:xfrm>
+          <a:off x="0" y="0"/>
+          <a:ext cx="0" cy="0"/>
+          <a:chOff x="0" y="0"/>
+          <a:chExt cx="0" cy="0"/>
+        </a:xfrm>
+      </p:grpSpPr>
+      <p:sp>
+        <p:nvSpPr>
+          <p:cNvPr id="4" name="Title 3">
+            <a:extLst>
+              <a:ext uri="{FF2B5EF4-FFF2-40B4-BE49-F238E27FC236}">
+                <a16:creationId xmlns:a16="http://schemas.microsoft.com/office/drawing/2014/main" id="{46C21690-D582-4A18-AD21-9237EBAEBF39}"/>
+              </a:ext>
+            </a:extLst>
+          </p:cNvPr>
+          <p:cNvSpPr>
+            <a:spLocks noGrp="1"/>
+          </p:cNvSpPr>
+          <p:nvPr>
+            <p:ph type="title"/>
+          </p:nvPr>
+        </p:nvSpPr>
+        <p:spPr/>
+        <p:txBody>
+          <a:bodyPr/>
+          <a:lstStyle/>
+          <a:p>
+            <a:r>
+              <a:rPr lang="en-US" dirty="0"/>
+              <a:t>Simulator Example – How about different length pulses</a:t>
+            </a:r>
+          </a:p>
+        </p:txBody>
+      </p:sp>
+      <p:sp>
+        <p:nvSpPr>
+          <p:cNvPr id="5" name="Content Placeholder 4">
+            <a:extLst>
+              <a:ext uri="{FF2B5EF4-FFF2-40B4-BE49-F238E27FC236}">
+                <a16:creationId xmlns:a16="http://schemas.microsoft.com/office/drawing/2014/main" id="{C4327134-0416-41CB-8B2B-A11ED63CF724}"/>
+              </a:ext>
+            </a:extLst>
+          </p:cNvPr>
+          <p:cNvSpPr>
+            <a:spLocks noGrp="1"/>
+          </p:cNvSpPr>
+          <p:nvPr>
+            <p:ph sz="quarter" idx="10"/>
+          </p:nvPr>
+        </p:nvSpPr>
+        <p:spPr/>
+        <p:txBody>
+          <a:bodyPr>
+            <a:normAutofit/>
+          </a:bodyPr>
+          <a:lstStyle/>
+          <a:p>
+            <a:pPr lvl="1"/>
+            <a:endParaRPr lang="en-US" dirty="0"/>
+          </a:p>
+          <a:p>
+            <a:pPr lvl="1"/>
+            <a:endParaRPr lang="en-US" dirty="0"/>
+          </a:p>
+        </p:txBody>
+      </p:sp>
+      <p:pic>
+        <p:nvPicPr>
+          <p:cNvPr id="9" name="Picture 8">
+            <a:extLst>
+              <a:ext uri="{FF2B5EF4-FFF2-40B4-BE49-F238E27FC236}">
+                <a16:creationId xmlns:a16="http://schemas.microsoft.com/office/drawing/2014/main" id="{646BF1BE-4FFD-46EF-A5D4-9F89DE167F18}"/>
+              </a:ext>
+            </a:extLst>
+          </p:cNvPr>
+          <p:cNvPicPr>
+            <a:picLocks noChangeAspect="1"/>
+          </p:cNvPicPr>
+          <p:nvPr/>
+        </p:nvPicPr>
+        <p:blipFill>
+          <a:blip r:embed="rId2"/>
+          <a:stretch>
+            <a:fillRect/>
+          </a:stretch>
+        </p:blipFill>
+        <p:spPr>
+          <a:xfrm>
+            <a:off x="955677" y="1021513"/>
+            <a:ext cx="4898363" cy="3673772"/>
+          </a:xfrm>
+          <a:prstGeom prst="rect">
+            <a:avLst/>
+          </a:prstGeom>
+        </p:spPr>
+      </p:pic>
+      <p:pic>
+        <p:nvPicPr>
+          <p:cNvPr id="11" name="Picture 10">
+            <a:extLst>
+              <a:ext uri="{FF2B5EF4-FFF2-40B4-BE49-F238E27FC236}">
+                <a16:creationId xmlns:a16="http://schemas.microsoft.com/office/drawing/2014/main" id="{9A929D3A-4745-4DA0-B5DE-FDE1B223E7E9}"/>
+              </a:ext>
+            </a:extLst>
+          </p:cNvPr>
+          <p:cNvPicPr>
+            <a:picLocks noChangeAspect="1"/>
+          </p:cNvPicPr>
+          <p:nvPr/>
+        </p:nvPicPr>
+        <p:blipFill>
+          <a:blip r:embed="rId3"/>
+          <a:stretch>
+            <a:fillRect/>
+          </a:stretch>
+        </p:blipFill>
+        <p:spPr>
+          <a:xfrm>
+            <a:off x="6052540" y="1822911"/>
+            <a:ext cx="2848409" cy="2070976"/>
+          </a:xfrm>
+          <a:prstGeom prst="rect">
+            <a:avLst/>
+          </a:prstGeom>
+        </p:spPr>
+      </p:pic>
+    </p:spTree>
+    <p:extLst>
+      <p:ext uri="{BB962C8B-B14F-4D97-AF65-F5344CB8AC3E}">
+        <p14:creationId xmlns:p14="http://schemas.microsoft.com/office/powerpoint/2010/main" val="4087001712"/>
+      </p:ext>
+    </p:extLst>
+  </p:cSld>
+  <p:clrMapOvr>
+    <a:masterClrMapping/>
+  </p:clrMapOvr>
+  <p:transition spd="slow">
+    <p:fade/>
+  </p:transition>
+</p:sld>
+</file>
+
+<file path=ppt/slides/slide27.xml><?xml version="1.0" encoding="utf-8"?>
+<p:sld xmlns:a="http://schemas.openxmlformats.org/drawingml/2006/main" xmlns:r="http://schemas.openxmlformats.org/officeDocument/2006/relationships" xmlns:p="http://schemas.openxmlformats.org/presentationml/2006/main">
+  <p:cSld>
+    <p:spTree>
+      <p:nvGrpSpPr>
+        <p:cNvPr id="1" name=""/>
+        <p:cNvGrpSpPr/>
+        <p:nvPr/>
+      </p:nvGrpSpPr>
+      <p:grpSpPr>
+        <a:xfrm>
+          <a:off x="0" y="0"/>
+          <a:ext cx="0" cy="0"/>
+          <a:chOff x="0" y="0"/>
+          <a:chExt cx="0" cy="0"/>
+        </a:xfrm>
+      </p:grpSpPr>
+      <p:sp>
+        <p:nvSpPr>
+          <p:cNvPr id="4" name="Title 3">
+            <a:extLst>
+              <a:ext uri="{FF2B5EF4-FFF2-40B4-BE49-F238E27FC236}">
+                <a16:creationId xmlns:a16="http://schemas.microsoft.com/office/drawing/2014/main" id="{46C21690-D582-4A18-AD21-9237EBAEBF39}"/>
+              </a:ext>
+            </a:extLst>
+          </p:cNvPr>
+          <p:cNvSpPr>
+            <a:spLocks noGrp="1"/>
+          </p:cNvSpPr>
+          <p:nvPr>
+            <p:ph type="title"/>
+          </p:nvPr>
+        </p:nvSpPr>
+        <p:spPr/>
+        <p:txBody>
+          <a:bodyPr/>
+          <a:lstStyle/>
+          <a:p>
+            <a:r>
+              <a:rPr lang="en-US" dirty="0"/>
+              <a:t>Simulator Example – Square Coding</a:t>
             </a:r>
           </a:p>
         </p:txBody>
@@ -9351,53 +9852,17 @@
         <p:spPr>
           <a:xfrm>
             <a:off x="4845857" y="1214944"/>
-            <a:ext cx="4301882" cy="3226412"/>
+            <a:ext cx="4301881" cy="3226411"/>
           </a:xfrm>
           <a:prstGeom prst="rect">
             <a:avLst/>
           </a:prstGeom>
         </p:spPr>
       </p:pic>
-      <p:sp>
-        <p:nvSpPr>
-          <p:cNvPr id="7" name="TextBox 6">
-            <a:extLst>
-              <a:ext uri="{FF2B5EF4-FFF2-40B4-BE49-F238E27FC236}">
-                <a16:creationId xmlns:a16="http://schemas.microsoft.com/office/drawing/2014/main" id="{FFCA0249-5CBA-4E60-98AE-3BC61B3A6886}"/>
-              </a:ext>
-            </a:extLst>
-          </p:cNvPr>
-          <p:cNvSpPr txBox="1"/>
-          <p:nvPr/>
-        </p:nvSpPr>
-        <p:spPr>
-          <a:xfrm>
-            <a:off x="3151044" y="1282263"/>
-            <a:ext cx="2845651" cy="369332"/>
-          </a:xfrm>
-          <a:prstGeom prst="rect">
-            <a:avLst/>
-          </a:prstGeom>
-          <a:noFill/>
-        </p:spPr>
-        <p:txBody>
-          <a:bodyPr wrap="none" rtlCol="0">
-            <a:spAutoFit/>
-          </a:bodyPr>
-          <a:lstStyle/>
-          <a:p>
-            <a:pPr algn="ctr"/>
-            <a:r>
-              <a:rPr lang="en-US" dirty="0"/>
-              <a:t>Mean Squared Error: 112.77</a:t>
-            </a:r>
-          </a:p>
-        </p:txBody>
-      </p:sp>
     </p:spTree>
     <p:extLst>
       <p:ext uri="{BB962C8B-B14F-4D97-AF65-F5344CB8AC3E}">
-        <p14:creationId xmlns:p14="http://schemas.microsoft.com/office/powerpoint/2010/main" val="2619610835"/>
+        <p14:creationId xmlns:p14="http://schemas.microsoft.com/office/powerpoint/2010/main" val="1514645185"/>
       </p:ext>
     </p:extLst>
   </p:cSld>
@@ -9410,7 +9875,7 @@
 </p:sld>
 </file>
 
-<file path=ppt/slides/slide25.xml><?xml version="1.0" encoding="utf-8"?>
+<file path=ppt/slides/slide28.xml><?xml version="1.0" encoding="utf-8"?>
 <p:sld xmlns:a="http://schemas.openxmlformats.org/drawingml/2006/main" xmlns:r="http://schemas.openxmlformats.org/officeDocument/2006/relationships" xmlns:p="http://schemas.openxmlformats.org/presentationml/2006/main">
   <p:cSld>
     <p:spTree>
